--- a/notes/03-python-programming-2.pptx
+++ b/notes/03-python-programming-2.pptx
@@ -566,8 +566,8 @@
         </p:nvSpPr>
         <p:spPr>
           <a:xfrm>
-            <a:off x="381300" y="685800"/>
-            <a:ext cx="6096075" cy="3429000"/>
+            <a:off x="381000" y="685800"/>
+            <a:ext cx="6096000" cy="3429000"/>
           </a:xfrm>
           <a:custGeom>
             <a:avLst/>
@@ -987,7 +987,7 @@
         </p:nvSpPr>
         <p:spPr>
           <a:xfrm>
-            <a:off x="381300" y="685800"/>
+            <a:off x="381000" y="685800"/>
             <a:ext cx="6096000" cy="3429000"/>
           </a:xfrm>
           <a:custGeom>
@@ -1091,7 +1091,7 @@
         </p:nvSpPr>
         <p:spPr>
           <a:xfrm>
-            <a:off x="381300" y="685800"/>
+            <a:off x="381000" y="685800"/>
             <a:ext cx="6096000" cy="3429000"/>
           </a:xfrm>
           <a:custGeom>
@@ -1195,7 +1195,7 @@
         </p:nvSpPr>
         <p:spPr>
           <a:xfrm>
-            <a:off x="381300" y="685800"/>
+            <a:off x="381000" y="685800"/>
             <a:ext cx="6096000" cy="3429000"/>
           </a:xfrm>
           <a:custGeom>
@@ -1299,7 +1299,7 @@
         </p:nvSpPr>
         <p:spPr>
           <a:xfrm>
-            <a:off x="381300" y="685800"/>
+            <a:off x="381000" y="685800"/>
             <a:ext cx="6096000" cy="3429000"/>
           </a:xfrm>
           <a:custGeom>
@@ -1507,7 +1507,7 @@
         </p:nvSpPr>
         <p:spPr>
           <a:xfrm>
-            <a:off x="381300" y="685800"/>
+            <a:off x="381000" y="685800"/>
             <a:ext cx="6096000" cy="3429000"/>
           </a:xfrm>
           <a:custGeom>
@@ -6830,8 +6830,8 @@
         </p:nvSpPr>
         <p:spPr>
           <a:xfrm>
-            <a:off x="4641949" y="141847"/>
-            <a:ext cx="4263511" cy="3585600"/>
+            <a:off x="657302" y="1426679"/>
+            <a:ext cx="2623192" cy="3585600"/>
           </a:xfrm>
           <a:prstGeom prst="rect">
             <a:avLst/>
@@ -6847,82 +6847,74 @@
           </a:bodyPr>
           <a:lstStyle/>
           <a:p>
-            <a:pPr marL="0" lvl="0" indent="0">
-              <a:spcBef>
-                <a:spcPts val="0"/>
-              </a:spcBef>
-              <a:spcAft>
-                <a:spcPts val="0"/>
-              </a:spcAft>
-              <a:buNone/>
-            </a:pPr>
+            <a:r>
+              <a:rPr lang="en-US" b="1" dirty="0" smtClean="0"/>
+              <a:t>Group 1</a:t>
+            </a:r>
+            <a:endParaRPr lang="en-US" b="1" dirty="0"/>
+          </a:p>
+          <a:p>
+            <a:pPr lvl="1"/>
+            <a:r>
+              <a:rPr lang="en-US" dirty="0"/>
+              <a:t>St-Martin, </a:t>
+            </a:r>
             <a:r>
               <a:rPr lang="en-US" dirty="0" smtClean="0"/>
-              <a:t>Teams:</a:t>
-            </a:r>
-          </a:p>
-          <a:p>
+              <a:t>Ben</a:t>
+            </a:r>
+          </a:p>
+          <a:p>
+            <a:pPr lvl="1"/>
+            <a:r>
+              <a:rPr lang="en-US" dirty="0" smtClean="0"/>
+              <a:t>O'Neill, Sydney</a:t>
+            </a:r>
+          </a:p>
+          <a:p>
+            <a:pPr lvl="1"/>
+            <a:r>
+              <a:rPr lang="en-US" dirty="0" err="1" smtClean="0"/>
+              <a:t>Janiszewski</a:t>
+            </a:r>
+            <a:r>
+              <a:rPr lang="en-US" dirty="0" smtClean="0"/>
+              <a:t>, Joseph</a:t>
+            </a:r>
+          </a:p>
+          <a:p>
+            <a:r>
+              <a:rPr lang="en-US" b="1" dirty="0" smtClean="0"/>
+              <a:t>Group </a:t>
+            </a:r>
+            <a:r>
+              <a:rPr lang="en-US" b="1" dirty="0"/>
+              <a:t>2</a:t>
+            </a:r>
+          </a:p>
+          <a:p>
+            <a:pPr lvl="1"/>
             <a:r>
               <a:rPr lang="en-US" dirty="0"/>
-              <a:t>Team 0:  Liam Patrick, Brevin </a:t>
-            </a:r>
-            <a:r>
-              <a:rPr lang="en-US" dirty="0" err="1"/>
-              <a:t>Kordel</a:t>
-            </a:r>
-            <a:r>
-              <a:rPr lang="en-US" dirty="0"/>
-              <a:t>, Cameron J, </a:t>
-            </a:r>
-          </a:p>
-          <a:p>
-            <a:r>
-              <a:rPr lang="en-US" dirty="0"/>
-              <a:t>Team 1:  Alec Kai, Sean M, Isaac Michael, </a:t>
-            </a:r>
-          </a:p>
-          <a:p>
-            <a:r>
-              <a:rPr lang="en-US" dirty="0"/>
-              <a:t>Team 2:  Brandon L, </a:t>
-            </a:r>
-            <a:r>
-              <a:rPr lang="en-US" dirty="0" err="1"/>
-              <a:t>PollyAnthony</a:t>
-            </a:r>
-            <a:r>
-              <a:rPr lang="en-US" dirty="0"/>
-              <a:t>, Kyle, </a:t>
-            </a:r>
-          </a:p>
-          <a:p>
-            <a:r>
-              <a:rPr lang="en-US" dirty="0"/>
-              <a:t>Team 3:  </a:t>
-            </a:r>
-            <a:r>
-              <a:rPr lang="en-US" dirty="0" err="1"/>
-              <a:t>Milucy</a:t>
-            </a:r>
-            <a:r>
-              <a:rPr lang="en-US" dirty="0"/>
-              <a:t> Freire, Johnny V, Max M, </a:t>
-            </a:r>
-          </a:p>
-          <a:p>
-            <a:r>
-              <a:rPr lang="en-US" dirty="0"/>
-              <a:t>Team 4:  John D., Andrew J, Christopher P, </a:t>
-            </a:r>
-          </a:p>
-          <a:p>
-            <a:r>
-              <a:rPr lang="en-US" dirty="0"/>
-              <a:t>Team 5:  </a:t>
-            </a:r>
-            <a:r>
-              <a:rPr lang="en-US" dirty="0" err="1"/>
-              <a:t>Eben</a:t>
+              <a:t>Leonardo Polanco, </a:t>
+            </a:r>
+            <a:r>
+              <a:rPr lang="en-US" dirty="0" smtClean="0"/>
+              <a:t>Luis</a:t>
+            </a:r>
+          </a:p>
+          <a:p>
+            <a:pPr lvl="1"/>
+            <a:r>
+              <a:rPr lang="en-US" dirty="0" smtClean="0"/>
+              <a:t>Turner, Jacob</a:t>
+            </a:r>
+          </a:p>
+          <a:p>
+            <a:pPr lvl="1"/>
+            <a:r>
+              <a:rPr lang="en-US" dirty="0" err="1" smtClean="0"/>
+              <a:t>Capaldi</a:t>
             </a:r>
             <a:r>
               <a:rPr lang="en-US" dirty="0"/>
@@ -6930,123 +6922,417 @@
             </a:r>
             <a:r>
               <a:rPr lang="en-US" dirty="0" err="1"/>
-              <a:t>Rotman</a:t>
+              <a:t>Ronni</a:t>
             </a:r>
             <a:r>
               <a:rPr lang="en-US" dirty="0"/>
-              <a:t> D, Jack Francis, </a:t>
-            </a:r>
-          </a:p>
-          <a:p>
+              <a:t> Sue</a:t>
+            </a:r>
+          </a:p>
+          <a:p>
+            <a:r>
+              <a:rPr lang="en-US" b="1" dirty="0"/>
+              <a:t>Group 3</a:t>
+            </a:r>
+          </a:p>
+          <a:p>
+            <a:pPr lvl="1"/>
             <a:r>
               <a:rPr lang="en-US" dirty="0"/>
-              <a:t>Team 6:  Chris, Shane R, John M., </a:t>
-            </a:r>
-          </a:p>
-          <a:p>
+              <a:t>Wade, Brandon</a:t>
+            </a:r>
+          </a:p>
+          <a:p>
+            <a:pPr lvl="1"/>
             <a:r>
               <a:rPr lang="en-US" dirty="0"/>
-              <a:t>Team 7:  Eric T, Alex M, Kurtis, </a:t>
-            </a:r>
-          </a:p>
-          <a:p>
+              <a:t>Bruno, Heather</a:t>
+            </a:r>
+          </a:p>
+          <a:p>
+            <a:pPr lvl="1"/>
             <a:r>
               <a:rPr lang="en-US" dirty="0"/>
-              <a:t>Team 8:  Victoria, </a:t>
-            </a:r>
+              <a:t>Campbell, Ryan</a:t>
+            </a:r>
+          </a:p>
+          <a:p>
+            <a:r>
+              <a:rPr lang="en-US" b="1" dirty="0"/>
+              <a:t>Group 4</a:t>
+            </a:r>
+          </a:p>
+          <a:p>
+            <a:pPr lvl="1"/>
+            <a:r>
+              <a:rPr lang="en-US" dirty="0"/>
+              <a:t>Cole, Tyler</a:t>
+            </a:r>
+          </a:p>
+          <a:p>
+            <a:pPr lvl="1"/>
             <a:r>
               <a:rPr lang="en-US" dirty="0" err="1"/>
-              <a:t>Fehmina</a:t>
+              <a:t>Chenot</a:t>
             </a:r>
             <a:r>
               <a:rPr lang="en-US" dirty="0"/>
-              <a:t>, Jacob, </a:t>
-            </a:r>
-          </a:p>
-          <a:p>
+              <a:t>, Samuel</a:t>
+            </a:r>
+          </a:p>
+          <a:p>
+            <a:pPr lvl="1"/>
+            <a:r>
+              <a:rPr lang="en-US" dirty="0" err="1"/>
+              <a:t>Agronick</a:t>
+            </a:r>
             <a:r>
               <a:rPr lang="en-US" dirty="0"/>
-              <a:t>Team 9:  Sabrina N., Nate Arthur, Mikayla J, </a:t>
-            </a:r>
-          </a:p>
-          <a:p>
+              <a:t>, </a:t>
+            </a:r>
+            <a:r>
+              <a:rPr lang="en-US" dirty="0" smtClean="0"/>
+              <a:t>Austin</a:t>
+            </a:r>
+            <a:endParaRPr lang="en-US" dirty="0"/>
+          </a:p>
+        </p:txBody>
+      </p:sp>
+      <p:sp>
+        <p:nvSpPr>
+          <p:cNvPr id="5" name="Shape 131"/>
+          <p:cNvSpPr txBox="1"/>
+          <p:nvPr/>
+        </p:nvSpPr>
+        <p:spPr>
+          <a:xfrm>
+            <a:off x="3280494" y="1485637"/>
+            <a:ext cx="2623192" cy="3585600"/>
+          </a:xfrm>
+          <a:prstGeom prst="rect">
+            <a:avLst/>
+          </a:prstGeom>
+          <a:noFill/>
+          <a:ln>
+            <a:noFill/>
+          </a:ln>
+        </p:spPr>
+        <p:txBody>
+          <a:bodyPr spcFirstLastPara="1" wrap="square" lIns="91425" tIns="91425" rIns="91425" bIns="91425" anchor="t" anchorCtr="0">
+            <a:noAutofit/>
+          </a:bodyPr>
+          <a:lstStyle/>
+          <a:p>
+            <a:r>
+              <a:rPr lang="en-US" b="1" dirty="0" smtClean="0"/>
+              <a:t>Group </a:t>
+            </a:r>
+            <a:r>
+              <a:rPr lang="en-US" b="1" dirty="0"/>
+              <a:t>5</a:t>
+            </a:r>
+          </a:p>
+          <a:p>
+            <a:pPr lvl="1"/>
             <a:r>
               <a:rPr lang="en-US" dirty="0"/>
-              <a:t>Team 10:  </a:t>
-            </a:r>
+              <a:t>Johnson, Ben</a:t>
+            </a:r>
+          </a:p>
+          <a:p>
+            <a:pPr lvl="1"/>
             <a:r>
               <a:rPr lang="en-US" dirty="0" err="1"/>
-              <a:t>Sedes</a:t>
+              <a:t>Caterino</a:t>
             </a:r>
             <a:r>
               <a:rPr lang="en-US" dirty="0"/>
-              <a:t>, Jessica, Logan, </a:t>
-            </a:r>
-          </a:p>
-          <a:p>
+              <a:t>, Matthew</a:t>
+            </a:r>
+          </a:p>
+          <a:p>
+            <a:pPr lvl="1"/>
+            <a:r>
+              <a:rPr lang="en-US" dirty="0" err="1"/>
+              <a:t>Wildenhain</a:t>
+            </a:r>
             <a:r>
               <a:rPr lang="en-US" dirty="0"/>
-              <a:t>Team 11:  Chen, Jacob Daniel, Jeffrey C, </a:t>
-            </a:r>
-          </a:p>
-          <a:p>
+              <a:t>, Evan</a:t>
+            </a:r>
+          </a:p>
+          <a:p>
+            <a:r>
+              <a:rPr lang="en-US" b="1" dirty="0"/>
+              <a:t>Group 6</a:t>
+            </a:r>
+          </a:p>
+          <a:p>
+            <a:pPr lvl="1"/>
             <a:r>
               <a:rPr lang="en-US" dirty="0"/>
-              <a:t>Team 12:  Nicholas, Eunice M, John L, </a:t>
-            </a:r>
-          </a:p>
-          <a:p>
+              <a:t>Gaines, Leah</a:t>
+            </a:r>
+          </a:p>
+          <a:p>
+            <a:pPr lvl="1"/>
+            <a:r>
+              <a:rPr lang="en-US" dirty="0" err="1"/>
+              <a:t>Lehane</a:t>
+            </a:r>
             <a:r>
               <a:rPr lang="en-US" dirty="0"/>
-              <a:t>Team 13:  Josh David, Lydia E, </a:t>
+              <a:t>, Robert</a:t>
+            </a:r>
+          </a:p>
+          <a:p>
+            <a:pPr lvl="1"/>
+            <a:r>
+              <a:rPr lang="en-US" dirty="0"/>
+              <a:t>Behrens, Jack</a:t>
+            </a:r>
+          </a:p>
+          <a:p>
+            <a:r>
+              <a:rPr lang="en-US" b="1" dirty="0"/>
+              <a:t>Group 7</a:t>
+            </a:r>
+          </a:p>
+          <a:p>
+            <a:pPr lvl="1"/>
+            <a:r>
+              <a:rPr lang="en-US" dirty="0"/>
+              <a:t>Phillips, Connor</a:t>
+            </a:r>
+          </a:p>
+          <a:p>
+            <a:pPr lvl="1"/>
+            <a:r>
+              <a:rPr lang="en-US" dirty="0"/>
+              <a:t>Mason, </a:t>
             </a:r>
             <a:r>
               <a:rPr lang="en-US" dirty="0" err="1"/>
-              <a:t>HopeRose</a:t>
-            </a:r>
+              <a:t>Conor</a:t>
+            </a:r>
+            <a:endParaRPr lang="en-US" dirty="0"/>
+          </a:p>
+          <a:p>
+            <a:pPr lvl="1"/>
             <a:r>
               <a:rPr lang="en-US" dirty="0"/>
-              <a:t> Falco, </a:t>
-            </a:r>
-          </a:p>
-          <a:p>
+              <a:t>MacDonald, </a:t>
+            </a:r>
+            <a:r>
+              <a:rPr lang="en-US" dirty="0" err="1"/>
+              <a:t>Bri</a:t>
+            </a:r>
+            <a:endParaRPr lang="en-US" dirty="0"/>
+          </a:p>
+          <a:p>
+            <a:r>
+              <a:rPr lang="en-US" b="1" dirty="0"/>
+              <a:t>Group 8</a:t>
+            </a:r>
+          </a:p>
+          <a:p>
+            <a:pPr lvl="1"/>
             <a:r>
               <a:rPr lang="en-US" dirty="0"/>
-              <a:t>Team 14:  Michael, Ian G, Aaron, </a:t>
-            </a:r>
-          </a:p>
-          <a:p>
+              <a:t>Thomas, Ryan</a:t>
+            </a:r>
+          </a:p>
+          <a:p>
+            <a:pPr lvl="1"/>
+            <a:r>
+              <a:rPr lang="en-US" dirty="0" err="1"/>
+              <a:t>Mendonca</a:t>
+            </a:r>
             <a:r>
               <a:rPr lang="en-US" dirty="0"/>
-              <a:t>Team 15:  </a:t>
-            </a:r>
+              <a:t>, Cameron</a:t>
+            </a:r>
+          </a:p>
+          <a:p>
+            <a:pPr lvl="1"/>
             <a:r>
               <a:rPr lang="en-US" dirty="0" err="1"/>
-              <a:t>Geoffroy</a:t>
+              <a:t>Bakos</a:t>
             </a:r>
             <a:r>
               <a:rPr lang="en-US" dirty="0"/>
-              <a:t> L, Matthew R, Thomas J, </a:t>
-            </a:r>
-          </a:p>
-          <a:p>
+              <a:t>, </a:t>
+            </a:r>
+            <a:r>
+              <a:rPr lang="en-US" dirty="0" smtClean="0"/>
+              <a:t>Sofia</a:t>
+            </a:r>
+            <a:endParaRPr lang="en-US" dirty="0"/>
+          </a:p>
+        </p:txBody>
+      </p:sp>
+      <p:sp>
+        <p:nvSpPr>
+          <p:cNvPr id="6" name="Shape 131"/>
+          <p:cNvSpPr txBox="1"/>
+          <p:nvPr/>
+        </p:nvSpPr>
+        <p:spPr>
+          <a:xfrm>
+            <a:off x="6108104" y="1485668"/>
+            <a:ext cx="2623192" cy="3585600"/>
+          </a:xfrm>
+          <a:prstGeom prst="rect">
+            <a:avLst/>
+          </a:prstGeom>
+          <a:noFill/>
+          <a:ln>
+            <a:noFill/>
+          </a:ln>
+        </p:spPr>
+        <p:txBody>
+          <a:bodyPr spcFirstLastPara="1" wrap="square" lIns="91425" tIns="91425" rIns="91425" bIns="91425" anchor="t" anchorCtr="0">
+            <a:noAutofit/>
+          </a:bodyPr>
+          <a:lstStyle/>
+          <a:p>
+            <a:r>
+              <a:rPr lang="en-US" b="1" dirty="0" smtClean="0"/>
+              <a:t>Group </a:t>
+            </a:r>
+            <a:r>
+              <a:rPr lang="en-US" b="1" dirty="0"/>
+              <a:t>9</a:t>
+            </a:r>
+          </a:p>
+          <a:p>
+            <a:pPr lvl="1"/>
+            <a:r>
+              <a:rPr lang="en-US" dirty="0" err="1"/>
+              <a:t>Babineau</a:t>
+            </a:r>
             <a:r>
               <a:rPr lang="en-US" dirty="0"/>
-              <a:t>Team 16:  Christopher K, Reece D, Chris Joseph, </a:t>
-            </a:r>
-          </a:p>
-          <a:p>
+              <a:t>, Allie</a:t>
+            </a:r>
+          </a:p>
+          <a:p>
+            <a:pPr lvl="1"/>
             <a:r>
               <a:rPr lang="en-US" dirty="0"/>
-              <a:t>Team 17:  </a:t>
-            </a:r>
+              <a:t>Dunn, Kevin</a:t>
+            </a:r>
+          </a:p>
+          <a:p>
+            <a:pPr lvl="1"/>
             <a:r>
               <a:rPr lang="en-US" dirty="0" err="1"/>
-              <a:t>Aman</a:t>
+              <a:t>Antranik</a:t>
             </a:r>
             <a:r>
               <a:rPr lang="en-US" dirty="0"/>
-              <a:t>, Mark Anthony, Cassie, </a:t>
+              <a:t>, </a:t>
+            </a:r>
+            <a:r>
+              <a:rPr lang="en-US" dirty="0" err="1"/>
+              <a:t>Antranik</a:t>
+            </a:r>
+            <a:endParaRPr lang="en-US" dirty="0"/>
+          </a:p>
+          <a:p>
+            <a:r>
+              <a:rPr lang="en-US" b="1" dirty="0"/>
+              <a:t>Group 10</a:t>
+            </a:r>
+          </a:p>
+          <a:p>
+            <a:pPr lvl="1"/>
+            <a:r>
+              <a:rPr lang="en-US" dirty="0"/>
+              <a:t>Stone, Chad</a:t>
+            </a:r>
+          </a:p>
+          <a:p>
+            <a:pPr lvl="1"/>
+            <a:r>
+              <a:rPr lang="en-US" dirty="0"/>
+              <a:t>Moreno, </a:t>
+            </a:r>
+            <a:r>
+              <a:rPr lang="en-US" dirty="0" err="1"/>
+              <a:t>Zentonio</a:t>
+            </a:r>
+            <a:endParaRPr lang="en-US" dirty="0"/>
+          </a:p>
+          <a:p>
+            <a:pPr lvl="1"/>
+            <a:r>
+              <a:rPr lang="en-US" dirty="0"/>
+              <a:t>Mullin, Jason</a:t>
+            </a:r>
+          </a:p>
+          <a:p>
+            <a:r>
+              <a:rPr lang="en-US" b="1" dirty="0"/>
+              <a:t>Group 11</a:t>
+            </a:r>
+          </a:p>
+          <a:p>
+            <a:pPr lvl="1"/>
+            <a:r>
+              <a:rPr lang="en-US" dirty="0"/>
+              <a:t>Gallagher, </a:t>
+            </a:r>
+            <a:r>
+              <a:rPr lang="en-US" dirty="0" err="1"/>
+              <a:t>Beibhinn</a:t>
+            </a:r>
+            <a:endParaRPr lang="en-US" dirty="0"/>
+          </a:p>
+          <a:p>
+            <a:pPr lvl="1"/>
+            <a:r>
+              <a:rPr lang="en-US" dirty="0"/>
+              <a:t>Ferrell, </a:t>
+            </a:r>
+            <a:r>
+              <a:rPr lang="en-US" dirty="0" err="1"/>
+              <a:t>Baheem</a:t>
+            </a:r>
+            <a:endParaRPr lang="en-US" dirty="0"/>
+          </a:p>
+          <a:p>
+            <a:pPr lvl="1"/>
+            <a:r>
+              <a:rPr lang="en-US" dirty="0"/>
+              <a:t>Gregory, Steven</a:t>
+            </a:r>
+          </a:p>
+          <a:p>
+            <a:r>
+              <a:rPr lang="en-US" b="1" dirty="0"/>
+              <a:t>Group 12</a:t>
+            </a:r>
+          </a:p>
+          <a:p>
+            <a:pPr lvl="1"/>
+            <a:r>
+              <a:rPr lang="en-US" dirty="0"/>
+              <a:t>Owen, Abraham</a:t>
+            </a:r>
+          </a:p>
+          <a:p>
+            <a:pPr lvl="1"/>
+            <a:r>
+              <a:rPr lang="en-US" dirty="0"/>
+              <a:t>Cabral, Adam</a:t>
+            </a:r>
+          </a:p>
+          <a:p>
+            <a:pPr lvl="1"/>
+            <a:r>
+              <a:rPr lang="en-US" dirty="0"/>
+              <a:t>O'Connell, Mark</a:t>
             </a:r>
           </a:p>
           <a:p>
